--- a/Old Age Powerpoint.pptx
+++ b/Old Age Powerpoint.pptx
@@ -9,6 +9,9 @@
     <p:sldId id="257" r:id="rId3"/>
     <p:sldId id="258" r:id="rId4"/>
     <p:sldId id="259" r:id="rId5"/>
+    <p:sldId id="260" r:id="rId6"/>
+    <p:sldId id="261" r:id="rId7"/>
+    <p:sldId id="262" r:id="rId8"/>
   </p:sldIdLst>
   <p:sldSz cx="12192000" cy="6858000"/>
   <p:notesSz cx="6858000" cy="9144000"/>
@@ -107,6 +110,11 @@
       </a:defRPr>
     </a:lvl9pPr>
   </p:defaultTextStyle>
+  <p:extLst>
+    <p:ext uri="{EFAFB233-063F-42B5-8137-9DF3F51BA10A}">
+      <p15:sldGuideLst xmlns:p15="http://schemas.microsoft.com/office/powerpoint/2012/main"/>
+    </p:ext>
+  </p:extLst>
 </p:presentation>
 </file>
 
@@ -302,7 +310,7 @@
             <a:fld id="{B61BEF0D-F0BB-DE4B-95CE-6DB70DBA9567}" type="datetimeFigureOut">
               <a:rPr lang="en-US" dirty="0"/>
               <a:pPr/>
-              <a:t>5/30/2023</a:t>
+              <a:t>6/1/2023</a:t>
             </a:fld>
             <a:endParaRPr lang="en-US" dirty="0"/>
           </a:p>
@@ -735,7 +743,7 @@
             <a:fld id="{B61BEF0D-F0BB-DE4B-95CE-6DB70DBA9567}" type="datetimeFigureOut">
               <a:rPr lang="en-US" dirty="0"/>
               <a:pPr/>
-              <a:t>5/30/2023</a:t>
+              <a:t>6/1/2023</a:t>
             </a:fld>
             <a:endParaRPr lang="en-US" dirty="0"/>
           </a:p>
@@ -982,7 +990,7 @@
             <a:fld id="{B61BEF0D-F0BB-DE4B-95CE-6DB70DBA9567}" type="datetimeFigureOut">
               <a:rPr lang="en-US" dirty="0"/>
               <a:pPr/>
-              <a:t>5/30/2023</a:t>
+              <a:t>6/1/2023</a:t>
             </a:fld>
             <a:endParaRPr lang="en-US" dirty="0"/>
           </a:p>
@@ -1287,7 +1295,7 @@
             <a:fld id="{B61BEF0D-F0BB-DE4B-95CE-6DB70DBA9567}" type="datetimeFigureOut">
               <a:rPr lang="en-US" dirty="0"/>
               <a:pPr/>
-              <a:t>5/30/2023</a:t>
+              <a:t>6/1/2023</a:t>
             </a:fld>
             <a:endParaRPr lang="en-US" dirty="0"/>
           </a:p>
@@ -1602,7 +1610,7 @@
             <a:fld id="{B61BEF0D-F0BB-DE4B-95CE-6DB70DBA9567}" type="datetimeFigureOut">
               <a:rPr lang="en-US" dirty="0"/>
               <a:pPr/>
-              <a:t>5/30/2023</a:t>
+              <a:t>6/1/2023</a:t>
             </a:fld>
             <a:endParaRPr lang="en-US" dirty="0"/>
           </a:p>
@@ -1901,7 +1909,7 @@
             <a:fld id="{B61BEF0D-F0BB-DE4B-95CE-6DB70DBA9567}" type="datetimeFigureOut">
               <a:rPr lang="en-US" dirty="0"/>
               <a:pPr/>
-              <a:t>5/30/2023</a:t>
+              <a:t>6/1/2023</a:t>
             </a:fld>
             <a:endParaRPr lang="en-US" dirty="0"/>
           </a:p>
@@ -2265,7 +2273,7 @@
             <a:fld id="{B61BEF0D-F0BB-DE4B-95CE-6DB70DBA9567}" type="datetimeFigureOut">
               <a:rPr lang="en-US" dirty="0"/>
               <a:pPr/>
-              <a:t>5/30/2023</a:t>
+              <a:t>6/1/2023</a:t>
             </a:fld>
             <a:endParaRPr lang="en-US" dirty="0"/>
           </a:p>
@@ -2436,7 +2444,7 @@
             <a:fld id="{B61BEF0D-F0BB-DE4B-95CE-6DB70DBA9567}" type="datetimeFigureOut">
               <a:rPr lang="en-US" dirty="0"/>
               <a:pPr/>
-              <a:t>5/30/2023</a:t>
+              <a:t>6/1/2023</a:t>
             </a:fld>
             <a:endParaRPr lang="en-US" dirty="0"/>
           </a:p>
@@ -2613,7 +2621,7 @@
             <a:fld id="{B61BEF0D-F0BB-DE4B-95CE-6DB70DBA9567}" type="datetimeFigureOut">
               <a:rPr lang="en-US" dirty="0"/>
               <a:pPr/>
-              <a:t>5/30/2023</a:t>
+              <a:t>6/1/2023</a:t>
             </a:fld>
             <a:endParaRPr lang="en-US" dirty="0"/>
           </a:p>
@@ -2780,7 +2788,7 @@
             <a:fld id="{B61BEF0D-F0BB-DE4B-95CE-6DB70DBA9567}" type="datetimeFigureOut">
               <a:rPr lang="en-US" dirty="0"/>
               <a:pPr/>
-              <a:t>5/30/2023</a:t>
+              <a:t>6/1/2023</a:t>
             </a:fld>
             <a:endParaRPr lang="en-US" dirty="0"/>
           </a:p>
@@ -3027,7 +3035,7 @@
             <a:fld id="{B61BEF0D-F0BB-DE4B-95CE-6DB70DBA9567}" type="datetimeFigureOut">
               <a:rPr lang="en-US" dirty="0"/>
               <a:pPr/>
-              <a:t>5/30/2023</a:t>
+              <a:t>6/1/2023</a:t>
             </a:fld>
             <a:endParaRPr lang="en-US" dirty="0"/>
           </a:p>
@@ -3260,7 +3268,7 @@
             <a:fld id="{B61BEF0D-F0BB-DE4B-95CE-6DB70DBA9567}" type="datetimeFigureOut">
               <a:rPr lang="en-US" dirty="0"/>
               <a:pPr/>
-              <a:t>5/30/2023</a:t>
+              <a:t>6/1/2023</a:t>
             </a:fld>
             <a:endParaRPr lang="en-US" dirty="0"/>
           </a:p>
@@ -3639,7 +3647,7 @@
             <a:fld id="{B61BEF0D-F0BB-DE4B-95CE-6DB70DBA9567}" type="datetimeFigureOut">
               <a:rPr lang="en-US" dirty="0"/>
               <a:pPr/>
-              <a:t>5/30/2023</a:t>
+              <a:t>6/1/2023</a:t>
             </a:fld>
             <a:endParaRPr lang="en-US" dirty="0"/>
           </a:p>
@@ -3754,7 +3762,7 @@
             <a:fld id="{B61BEF0D-F0BB-DE4B-95CE-6DB70DBA9567}" type="datetimeFigureOut">
               <a:rPr lang="en-US" dirty="0"/>
               <a:pPr/>
-              <a:t>5/30/2023</a:t>
+              <a:t>6/1/2023</a:t>
             </a:fld>
             <a:endParaRPr lang="en-US" dirty="0"/>
           </a:p>
@@ -3846,7 +3854,7 @@
             <a:fld id="{B61BEF0D-F0BB-DE4B-95CE-6DB70DBA9567}" type="datetimeFigureOut">
               <a:rPr lang="en-US" dirty="0"/>
               <a:pPr/>
-              <a:t>5/30/2023</a:t>
+              <a:t>6/1/2023</a:t>
             </a:fld>
             <a:endParaRPr lang="en-US" dirty="0"/>
           </a:p>
@@ -4098,7 +4106,7 @@
             <a:fld id="{B61BEF0D-F0BB-DE4B-95CE-6DB70DBA9567}" type="datetimeFigureOut">
               <a:rPr lang="en-US" dirty="0"/>
               <a:pPr/>
-              <a:t>5/30/2023</a:t>
+              <a:t>6/1/2023</a:t>
             </a:fld>
             <a:endParaRPr lang="en-US" dirty="0"/>
           </a:p>
@@ -4378,7 +4386,7 @@
             <a:fld id="{B61BEF0D-F0BB-DE4B-95CE-6DB70DBA9567}" type="datetimeFigureOut">
               <a:rPr lang="en-US" dirty="0"/>
               <a:pPr/>
-              <a:t>5/30/2023</a:t>
+              <a:t>6/1/2023</a:t>
             </a:fld>
             <a:endParaRPr lang="en-US" dirty="0"/>
           </a:p>
@@ -4781,7 +4789,7 @@
             <a:fld id="{B61BEF0D-F0BB-DE4B-95CE-6DB70DBA9567}" type="datetimeFigureOut">
               <a:rPr lang="en-US" dirty="0"/>
               <a:pPr/>
-              <a:t>5/30/2023</a:t>
+              <a:t>6/1/2023</a:t>
             </a:fld>
             <a:endParaRPr lang="en-US" dirty="0"/>
           </a:p>
@@ -5799,7 +5807,7 @@
             </a:pPr>
             <a:r>
               <a:rPr lang="en-US" dirty="0"/>
-              <a:t>The total amount of “Old Age” burials severely decreases as the years, despite people living longer as the years go on. </a:t>
+              <a:t>The total amount of “Old Age” burials severely decreases, despite people living longer as the years go on. </a:t>
             </a:r>
           </a:p>
           <a:p>
@@ -5877,6 +5885,408 @@
     <p:extLst>
       <p:ext uri="{BB962C8B-B14F-4D97-AF65-F5344CB8AC3E}">
         <p14:creationId xmlns:p14="http://schemas.microsoft.com/office/powerpoint/2010/main" val="867504857"/>
+      </p:ext>
+    </p:extLst>
+  </p:cSld>
+  <p:clrMapOvr>
+    <a:masterClrMapping/>
+  </p:clrMapOvr>
+</p:sld>
+</file>
+
+<file path=ppt/slides/slide5.xml><?xml version="1.0" encoding="utf-8"?>
+<p:sld xmlns:a="http://schemas.openxmlformats.org/drawingml/2006/main" xmlns:r="http://schemas.openxmlformats.org/officeDocument/2006/relationships" xmlns:p="http://schemas.openxmlformats.org/presentationml/2006/main">
+  <p:cSld>
+    <p:spTree>
+      <p:nvGrpSpPr>
+        <p:cNvPr id="1" name=""/>
+        <p:cNvGrpSpPr/>
+        <p:nvPr/>
+      </p:nvGrpSpPr>
+      <p:grpSpPr>
+        <a:xfrm>
+          <a:off x="0" y="0"/>
+          <a:ext cx="0" cy="0"/>
+          <a:chOff x="0" y="0"/>
+          <a:chExt cx="0" cy="0"/>
+        </a:xfrm>
+      </p:grpSpPr>
+      <p:sp>
+        <p:nvSpPr>
+          <p:cNvPr id="4" name="Title 3">
+            <a:extLst>
+              <a:ext uri="{FF2B5EF4-FFF2-40B4-BE49-F238E27FC236}">
+                <a16:creationId xmlns:a16="http://schemas.microsoft.com/office/drawing/2014/main" id="{D43EE10B-B9BC-E810-8E81-F147447067F1}"/>
+              </a:ext>
+            </a:extLst>
+          </p:cNvPr>
+          <p:cNvSpPr>
+            <a:spLocks noGrp="1"/>
+          </p:cNvSpPr>
+          <p:nvPr>
+            <p:ph type="title"/>
+          </p:nvPr>
+        </p:nvSpPr>
+        <p:spPr>
+          <a:xfrm>
+            <a:off x="7085012" y="282039"/>
+            <a:ext cx="3657600" cy="1371600"/>
+          </a:xfrm>
+        </p:spPr>
+        <p:txBody>
+          <a:bodyPr/>
+          <a:lstStyle/>
+          <a:p>
+            <a:r>
+              <a:rPr lang="en-US" dirty="0"/>
+              <a:t>Other causes of death/burial</a:t>
+            </a:r>
+          </a:p>
+        </p:txBody>
+      </p:sp>
+      <p:pic>
+        <p:nvPicPr>
+          <p:cNvPr id="8" name="Content Placeholder 7" descr="A screenshot of a computer&#10;&#10;Description automatically generated with medium confidence">
+            <a:extLst>
+              <a:ext uri="{FF2B5EF4-FFF2-40B4-BE49-F238E27FC236}">
+                <a16:creationId xmlns:a16="http://schemas.microsoft.com/office/drawing/2014/main" id="{4292F79D-FF5C-85AA-6C7E-05CCD8C3CEE9}"/>
+              </a:ext>
+            </a:extLst>
+          </p:cNvPr>
+          <p:cNvPicPr>
+            <a:picLocks noGrp="1" noChangeAspect="1"/>
+          </p:cNvPicPr>
+          <p:nvPr>
+            <p:ph idx="1"/>
+          </p:nvPr>
+        </p:nvPicPr>
+        <p:blipFill>
+          <a:blip r:embed="rId2"/>
+          <a:stretch>
+            <a:fillRect/>
+          </a:stretch>
+        </p:blipFill>
+        <p:spPr>
+          <a:xfrm>
+            <a:off x="268577" y="1217220"/>
+            <a:ext cx="6344639" cy="4227155"/>
+          </a:xfrm>
+        </p:spPr>
+      </p:pic>
+      <p:sp>
+        <p:nvSpPr>
+          <p:cNvPr id="6" name="Text Placeholder 5">
+            <a:extLst>
+              <a:ext uri="{FF2B5EF4-FFF2-40B4-BE49-F238E27FC236}">
+                <a16:creationId xmlns:a16="http://schemas.microsoft.com/office/drawing/2014/main" id="{126B4011-E57B-C81F-598A-43013A15D836}"/>
+              </a:ext>
+            </a:extLst>
+          </p:cNvPr>
+          <p:cNvSpPr>
+            <a:spLocks noGrp="1"/>
+          </p:cNvSpPr>
+          <p:nvPr>
+            <p:ph type="body" sz="half" idx="2"/>
+          </p:nvPr>
+        </p:nvSpPr>
+        <p:spPr>
+          <a:xfrm>
+            <a:off x="7085012" y="2209799"/>
+            <a:ext cx="3657600" cy="3603172"/>
+          </a:xfrm>
+        </p:spPr>
+        <p:txBody>
+          <a:bodyPr>
+            <a:normAutofit fontScale="92500" lnSpcReduction="10000"/>
+          </a:bodyPr>
+          <a:lstStyle/>
+          <a:p>
+            <a:pPr marL="285750" indent="-285750">
+              <a:buFontTx/>
+              <a:buChar char="-"/>
+            </a:pPr>
+            <a:r>
+              <a:rPr lang="en-US" dirty="0"/>
+              <a:t>Through the full timeframe of our data, Old Age was by far the most common reason of death for the 65+ age group.</a:t>
+            </a:r>
+          </a:p>
+          <a:p>
+            <a:pPr marL="285750" indent="-285750">
+              <a:buFontTx/>
+              <a:buChar char="-"/>
+            </a:pPr>
+            <a:r>
+              <a:rPr lang="en-US" dirty="0"/>
+              <a:t>Other causes of death did decrease while the decades progressed, hinting at advancements in medical technology and treatment.</a:t>
+            </a:r>
+          </a:p>
+          <a:p>
+            <a:pPr marL="285750" indent="-285750">
+              <a:buFontTx/>
+              <a:buChar char="-"/>
+            </a:pPr>
+            <a:r>
+              <a:rPr lang="en-US" dirty="0"/>
+              <a:t>Some diseases, such as Dropsy and Flux (Dysentery), were not listed as a cause of burial past the year 1900, being eliminated in the 65+ age group completely.</a:t>
+            </a:r>
+          </a:p>
+          <a:p>
+            <a:pPr marL="285750" indent="-285750">
+              <a:buFontTx/>
+              <a:buChar char="-"/>
+            </a:pPr>
+            <a:endParaRPr lang="en-US" dirty="0"/>
+          </a:p>
+        </p:txBody>
+      </p:sp>
+    </p:spTree>
+    <p:extLst>
+      <p:ext uri="{BB962C8B-B14F-4D97-AF65-F5344CB8AC3E}">
+        <p14:creationId xmlns:p14="http://schemas.microsoft.com/office/powerpoint/2010/main" val="681155788"/>
+      </p:ext>
+    </p:extLst>
+  </p:cSld>
+  <p:clrMapOvr>
+    <a:masterClrMapping/>
+  </p:clrMapOvr>
+</p:sld>
+</file>
+
+<file path=ppt/slides/slide6.xml><?xml version="1.0" encoding="utf-8"?>
+<p:sld xmlns:a="http://schemas.openxmlformats.org/drawingml/2006/main" xmlns:r="http://schemas.openxmlformats.org/officeDocument/2006/relationships" xmlns:p="http://schemas.openxmlformats.org/presentationml/2006/main">
+  <p:cSld>
+    <p:spTree>
+      <p:nvGrpSpPr>
+        <p:cNvPr id="1" name=""/>
+        <p:cNvGrpSpPr/>
+        <p:nvPr/>
+      </p:nvGrpSpPr>
+      <p:grpSpPr>
+        <a:xfrm>
+          <a:off x="0" y="0"/>
+          <a:ext cx="0" cy="0"/>
+          <a:chOff x="0" y="0"/>
+          <a:chExt cx="0" cy="0"/>
+        </a:xfrm>
+      </p:grpSpPr>
+      <p:sp>
+        <p:nvSpPr>
+          <p:cNvPr id="4" name="Title 3">
+            <a:extLst>
+              <a:ext uri="{FF2B5EF4-FFF2-40B4-BE49-F238E27FC236}">
+                <a16:creationId xmlns:a16="http://schemas.microsoft.com/office/drawing/2014/main" id="{6CBADE3B-508F-FC45-A9E6-17F5FCE2B025}"/>
+              </a:ext>
+            </a:extLst>
+          </p:cNvPr>
+          <p:cNvSpPr>
+            <a:spLocks noGrp="1"/>
+          </p:cNvSpPr>
+          <p:nvPr>
+            <p:ph type="title"/>
+          </p:nvPr>
+        </p:nvSpPr>
+        <p:spPr>
+          <a:xfrm>
+            <a:off x="684210" y="312271"/>
+            <a:ext cx="8534401" cy="716429"/>
+          </a:xfrm>
+        </p:spPr>
+        <p:txBody>
+          <a:bodyPr>
+            <a:normAutofit fontScale="90000"/>
+          </a:bodyPr>
+          <a:lstStyle/>
+          <a:p>
+            <a:r>
+              <a:rPr lang="en-US" dirty="0"/>
+              <a:t>Reasons for the increase in lifespans?</a:t>
+            </a:r>
+          </a:p>
+        </p:txBody>
+      </p:sp>
+      <p:sp>
+        <p:nvSpPr>
+          <p:cNvPr id="5" name="Text Placeholder 4">
+            <a:extLst>
+              <a:ext uri="{FF2B5EF4-FFF2-40B4-BE49-F238E27FC236}">
+                <a16:creationId xmlns:a16="http://schemas.microsoft.com/office/drawing/2014/main" id="{52C411A7-4535-FB63-7DB3-A4544255870F}"/>
+              </a:ext>
+            </a:extLst>
+          </p:cNvPr>
+          <p:cNvSpPr>
+            <a:spLocks noGrp="1"/>
+          </p:cNvSpPr>
+          <p:nvPr>
+            <p:ph type="body" idx="1"/>
+          </p:nvPr>
+        </p:nvSpPr>
+        <p:spPr>
+          <a:xfrm>
+            <a:off x="455613" y="1245596"/>
+            <a:ext cx="8534400" cy="4716929"/>
+          </a:xfrm>
+        </p:spPr>
+        <p:txBody>
+          <a:bodyPr/>
+          <a:lstStyle/>
+          <a:p>
+            <a:pPr marL="285750" indent="-285750">
+              <a:buFontTx/>
+              <a:buChar char="-"/>
+            </a:pPr>
+            <a:endParaRPr lang="en-US" dirty="0"/>
+          </a:p>
+          <a:p>
+            <a:pPr marL="285750" indent="-285750">
+              <a:buFontTx/>
+              <a:buChar char="-"/>
+            </a:pPr>
+            <a:endParaRPr lang="en-US" dirty="0"/>
+          </a:p>
+        </p:txBody>
+      </p:sp>
+      <p:sp>
+        <p:nvSpPr>
+          <p:cNvPr id="2" name="TextBox 1">
+            <a:extLst>
+              <a:ext uri="{FF2B5EF4-FFF2-40B4-BE49-F238E27FC236}">
+                <a16:creationId xmlns:a16="http://schemas.microsoft.com/office/drawing/2014/main" id="{7F57AF18-1927-DDC9-65AF-F96202CDA1D8}"/>
+              </a:ext>
+            </a:extLst>
+          </p:cNvPr>
+          <p:cNvSpPr txBox="1"/>
+          <p:nvPr/>
+        </p:nvSpPr>
+        <p:spPr>
+          <a:xfrm>
+            <a:off x="742896" y="1886693"/>
+            <a:ext cx="8417027" cy="3139321"/>
+          </a:xfrm>
+          <a:prstGeom prst="rect">
+            <a:avLst/>
+          </a:prstGeom>
+          <a:noFill/>
+        </p:spPr>
+        <p:txBody>
+          <a:bodyPr wrap="square" rtlCol="0">
+            <a:spAutoFit/>
+          </a:bodyPr>
+          <a:lstStyle/>
+          <a:p>
+            <a:pPr marL="285750" indent="-285750">
+              <a:buFontTx/>
+              <a:buChar char="-"/>
+            </a:pPr>
+            <a:r>
+              <a:rPr lang="en-US" dirty="0"/>
+              <a:t>One of the biggest contributing factors to the increase in the average age among this group could be the general improvement of quality of life.</a:t>
+            </a:r>
+          </a:p>
+          <a:p>
+            <a:pPr marL="285750" indent="-285750">
+              <a:buFontTx/>
+              <a:buChar char="-"/>
+            </a:pPr>
+            <a:endParaRPr lang="en-US" dirty="0"/>
+          </a:p>
+          <a:p>
+            <a:pPr marL="285750" indent="-285750">
+              <a:buFontTx/>
+              <a:buChar char="-"/>
+            </a:pPr>
+            <a:r>
+              <a:rPr lang="en-US" dirty="0"/>
+              <a:t>Multiple medical advancements were made throughout this timespan. Including the invention of the Cholera vaccine in 1884, antiseptic surgeries in 1867 and reliable blood transfusions in 1901.</a:t>
+            </a:r>
+          </a:p>
+          <a:p>
+            <a:pPr marL="285750" indent="-285750">
+              <a:buFontTx/>
+              <a:buChar char="-"/>
+            </a:pPr>
+            <a:endParaRPr lang="en-US" dirty="0"/>
+          </a:p>
+          <a:p>
+            <a:pPr marL="285750" indent="-285750">
+              <a:buFontTx/>
+              <a:buChar char="-"/>
+            </a:pPr>
+            <a:r>
+              <a:rPr lang="en-US" dirty="0"/>
+              <a:t>Overall, as humans became more advanced throughout history, we also were more successful in making sure that people lived longer, and healthier lives. </a:t>
+            </a:r>
+          </a:p>
+        </p:txBody>
+      </p:sp>
+    </p:spTree>
+    <p:extLst>
+      <p:ext uri="{BB962C8B-B14F-4D97-AF65-F5344CB8AC3E}">
+        <p14:creationId xmlns:p14="http://schemas.microsoft.com/office/powerpoint/2010/main" val="180877142"/>
+      </p:ext>
+    </p:extLst>
+  </p:cSld>
+  <p:clrMapOvr>
+    <a:masterClrMapping/>
+  </p:clrMapOvr>
+</p:sld>
+</file>
+
+<file path=ppt/slides/slide7.xml><?xml version="1.0" encoding="utf-8"?>
+<p:sld xmlns:a="http://schemas.openxmlformats.org/drawingml/2006/main" xmlns:r="http://schemas.openxmlformats.org/officeDocument/2006/relationships" xmlns:p="http://schemas.openxmlformats.org/presentationml/2006/main">
+  <p:cSld>
+    <p:spTree>
+      <p:nvGrpSpPr>
+        <p:cNvPr id="1" name=""/>
+        <p:cNvGrpSpPr/>
+        <p:nvPr/>
+      </p:nvGrpSpPr>
+      <p:grpSpPr>
+        <a:xfrm>
+          <a:off x="0" y="0"/>
+          <a:ext cx="0" cy="0"/>
+          <a:chOff x="0" y="0"/>
+          <a:chExt cx="0" cy="0"/>
+        </a:xfrm>
+      </p:grpSpPr>
+      <p:sp>
+        <p:nvSpPr>
+          <p:cNvPr id="2" name="Title 1">
+            <a:extLst>
+              <a:ext uri="{FF2B5EF4-FFF2-40B4-BE49-F238E27FC236}">
+                <a16:creationId xmlns:a16="http://schemas.microsoft.com/office/drawing/2014/main" id="{66C4DADF-3EB9-5726-D3D1-5AEB2A649D05}"/>
+              </a:ext>
+            </a:extLst>
+          </p:cNvPr>
+          <p:cNvSpPr>
+            <a:spLocks noGrp="1"/>
+          </p:cNvSpPr>
+          <p:nvPr>
+            <p:ph type="title"/>
+          </p:nvPr>
+        </p:nvSpPr>
+        <p:spPr>
+          <a:xfrm>
+            <a:off x="1828799" y="1798782"/>
+            <a:ext cx="8534401" cy="2281600"/>
+          </a:xfrm>
+        </p:spPr>
+        <p:txBody>
+          <a:bodyPr>
+            <a:normAutofit/>
+          </a:bodyPr>
+          <a:lstStyle/>
+          <a:p>
+            <a:r>
+              <a:rPr lang="en-US" sz="9600" dirty="0"/>
+              <a:t>Questions?</a:t>
+            </a:r>
+          </a:p>
+        </p:txBody>
+      </p:sp>
+    </p:spTree>
+    <p:extLst>
+      <p:ext uri="{BB962C8B-B14F-4D97-AF65-F5344CB8AC3E}">
+        <p14:creationId xmlns:p14="http://schemas.microsoft.com/office/powerpoint/2010/main" val="2304864164"/>
       </p:ext>
     </p:extLst>
   </p:cSld>
